--- a/Meeting/210113.pptx
+++ b/Meeting/210113.pptx
@@ -5,8 +5,7 @@
     <p:sldMasterId id="2147483648" r:id="rId1"/>
   </p:sldMasterIdLst>
   <p:sldIdLst>
-    <p:sldId id="256" r:id="rId2"/>
-    <p:sldId id="257" r:id="rId3"/>
+    <p:sldId id="257" r:id="rId2"/>
   </p:sldIdLst>
   <p:sldSz cx="12192000" cy="6858000"/>
   <p:notesSz cx="6858000" cy="9144000"/>
@@ -105,6 +104,11 @@
       </a:defRPr>
     </a:lvl9pPr>
   </p:defaultTextStyle>
+  <p:extLst>
+    <p:ext uri="{EFAFB233-063F-42B5-8137-9DF3F51BA10A}">
+      <p15:sldGuideLst xmlns:p15="http://schemas.microsoft.com/office/powerpoint/2012/main"/>
+    </p:ext>
+  </p:extLst>
 </p:presentation>
 </file>
 
@@ -2967,108 +2971,6 @@
       </p:grpSpPr>
       <p:sp>
         <p:nvSpPr>
-          <p:cNvPr id="4" name="TextBox 3"/>
-          <p:cNvSpPr txBox="1"/>
-          <p:nvPr/>
-        </p:nvSpPr>
-        <p:spPr>
-          <a:xfrm>
-            <a:off x="0" y="2360023"/>
-            <a:ext cx="12192000" cy="1261884"/>
-          </a:xfrm>
-          <a:prstGeom prst="rect">
-            <a:avLst/>
-          </a:prstGeom>
-          <a:noFill/>
-        </p:spPr>
-        <p:txBody>
-          <a:bodyPr wrap="square" rtlCol="0">
-            <a:spAutoFit/>
-          </a:bodyPr>
-          <a:lstStyle/>
-          <a:p>
-            <a:pPr algn="ctr"/>
-            <a:r>
-              <a:rPr lang="ko-KR" altLang="en-US" sz="4000" b="1" dirty="0" err="1" smtClean="0">
-                <a:latin typeface="Noto Sans CJK KR DemiLight" panose="020B0400000000000000" pitchFamily="34" charset="-127"/>
-                <a:ea typeface="Noto Sans CJK KR DemiLight" panose="020B0400000000000000" pitchFamily="34" charset="-127"/>
-              </a:rPr>
-              <a:t>노버스메이</a:t>
-            </a:r>
-            <a:r>
-              <a:rPr lang="ko-KR" altLang="en-US" sz="4000" b="1" dirty="0" smtClean="0">
-                <a:latin typeface="Noto Sans CJK KR DemiLight" panose="020B0400000000000000" pitchFamily="34" charset="-127"/>
-                <a:ea typeface="Noto Sans CJK KR DemiLight" panose="020B0400000000000000" pitchFamily="34" charset="-127"/>
-              </a:rPr>
-              <a:t> 퍼블리싱 회의록</a:t>
-            </a:r>
-            <a:endParaRPr lang="en-US" altLang="ko-KR" sz="4000" b="1" dirty="0" smtClean="0">
-              <a:latin typeface="Noto Sans CJK KR DemiLight" panose="020B0400000000000000" pitchFamily="34" charset="-127"/>
-              <a:ea typeface="Noto Sans CJK KR DemiLight" panose="020B0400000000000000" pitchFamily="34" charset="-127"/>
-            </a:endParaRPr>
-          </a:p>
-          <a:p>
-            <a:pPr algn="ctr"/>
-            <a:endParaRPr lang="en-US" altLang="ko-KR" dirty="0">
-              <a:latin typeface="Noto Sans CJK KR DemiLight" panose="020B0400000000000000" pitchFamily="34" charset="-127"/>
-              <a:ea typeface="Noto Sans CJK KR DemiLight" panose="020B0400000000000000" pitchFamily="34" charset="-127"/>
-            </a:endParaRPr>
-          </a:p>
-          <a:p>
-            <a:pPr algn="ctr"/>
-            <a:r>
-              <a:rPr lang="en-US" altLang="ko-KR" dirty="0" smtClean="0">
-                <a:latin typeface="Noto Sans CJK KR DemiLight" panose="020B0400000000000000" pitchFamily="34" charset="-127"/>
-                <a:ea typeface="Noto Sans CJK KR DemiLight" panose="020B0400000000000000" pitchFamily="34" charset="-127"/>
-              </a:rPr>
-              <a:t>2021</a:t>
-            </a:r>
-            <a:r>
-              <a:rPr lang="ko-KR" altLang="en-US" dirty="0" smtClean="0">
-                <a:latin typeface="Noto Sans CJK KR DemiLight" panose="020B0400000000000000" pitchFamily="34" charset="-127"/>
-                <a:ea typeface="Noto Sans CJK KR DemiLight" panose="020B0400000000000000" pitchFamily="34" charset="-127"/>
-              </a:rPr>
-              <a:t>년</a:t>
-            </a:r>
-            <a:endParaRPr lang="ko-KR" altLang="en-US" dirty="0">
-              <a:latin typeface="Noto Sans CJK KR DemiLight" panose="020B0400000000000000" pitchFamily="34" charset="-127"/>
-              <a:ea typeface="Noto Sans CJK KR DemiLight" panose="020B0400000000000000" pitchFamily="34" charset="-127"/>
-            </a:endParaRPr>
-          </a:p>
-        </p:txBody>
-      </p:sp>
-    </p:spTree>
-    <p:extLst>
-      <p:ext uri="{BB962C8B-B14F-4D97-AF65-F5344CB8AC3E}">
-        <p14:creationId xmlns:p14="http://schemas.microsoft.com/office/powerpoint/2010/main" val="4267537068"/>
-      </p:ext>
-    </p:extLst>
-  </p:cSld>
-  <p:clrMapOvr>
-    <a:masterClrMapping/>
-  </p:clrMapOvr>
-</p:sld>
-</file>
-
-<file path=ppt/slides/slide2.xml><?xml version="1.0" encoding="utf-8"?>
-<p:sld xmlns:a="http://schemas.openxmlformats.org/drawingml/2006/main" xmlns:r="http://schemas.openxmlformats.org/officeDocument/2006/relationships" xmlns:p="http://schemas.openxmlformats.org/presentationml/2006/main">
-  <p:cSld>
-    <p:spTree>
-      <p:nvGrpSpPr>
-        <p:cNvPr id="1" name=""/>
-        <p:cNvGrpSpPr/>
-        <p:nvPr/>
-      </p:nvGrpSpPr>
-      <p:grpSpPr>
-        <a:xfrm>
-          <a:off x="0" y="0"/>
-          <a:ext cx="0" cy="0"/>
-          <a:chOff x="0" y="0"/>
-          <a:chExt cx="0" cy="0"/>
-        </a:xfrm>
-      </p:grpSpPr>
-      <p:sp>
-        <p:nvSpPr>
           <p:cNvPr id="2" name="직사각형 1"/>
           <p:cNvSpPr/>
           <p:nvPr/>
@@ -3082,7 +2984,7 @@
             <a:avLst/>
           </a:prstGeom>
           <a:solidFill>
-            <a:srgbClr val="0050FF"/>
+            <a:schemeClr val="tx1"/>
           </a:solidFill>
           <a:ln>
             <a:noFill/>
@@ -3109,20 +3011,1069 @@
           <a:lstStyle/>
           <a:p>
             <a:r>
+              <a:rPr lang="en-US" altLang="ko-KR" sz="1400" b="1" dirty="0" smtClean="0">
+                <a:latin typeface="Noto Sans CJK KR DemiLight" panose="020B0400000000000000" pitchFamily="34" charset="-127"/>
+                <a:ea typeface="Noto Sans CJK KR DemiLight" panose="020B0400000000000000" pitchFamily="34" charset="-127"/>
+              </a:rPr>
+              <a:t>[21-01-13] </a:t>
+            </a:r>
+            <a:r>
               <a:rPr lang="ko-KR" altLang="en-US" sz="1400" b="1" dirty="0" smtClean="0">
                 <a:latin typeface="Noto Sans CJK KR DemiLight" panose="020B0400000000000000" pitchFamily="34" charset="-127"/>
                 <a:ea typeface="Noto Sans CJK KR DemiLight" panose="020B0400000000000000" pitchFamily="34" charset="-127"/>
               </a:rPr>
-              <a:t>회의록 </a:t>
-            </a:r>
-            <a:r>
-              <a:rPr lang="en-US" altLang="ko-KR" sz="1400" b="1" dirty="0" smtClean="0">
-                <a:latin typeface="Noto Sans CJK KR DemiLight" panose="020B0400000000000000" pitchFamily="34" charset="-127"/>
-                <a:ea typeface="Noto Sans CJK KR DemiLight" panose="020B0400000000000000" pitchFamily="34" charset="-127"/>
-              </a:rPr>
-              <a:t>(2021-01-13)</a:t>
+              <a:t>스터디 진행 방향</a:t>
             </a:r>
             <a:endParaRPr lang="ko-KR" altLang="en-US" sz="1400" b="1" dirty="0">
+              <a:latin typeface="Noto Sans CJK KR DemiLight" panose="020B0400000000000000" pitchFamily="34" charset="-127"/>
+              <a:ea typeface="Noto Sans CJK KR DemiLight" panose="020B0400000000000000" pitchFamily="34" charset="-127"/>
+            </a:endParaRPr>
+          </a:p>
+        </p:txBody>
+      </p:sp>
+      <p:sp>
+        <p:nvSpPr>
+          <p:cNvPr id="3" name="직사각형 2"/>
+          <p:cNvSpPr/>
+          <p:nvPr/>
+        </p:nvSpPr>
+        <p:spPr>
+          <a:xfrm>
+            <a:off x="2238104" y="444138"/>
+            <a:ext cx="9884228" cy="6331132"/>
+          </a:xfrm>
+          <a:prstGeom prst="rect">
+            <a:avLst/>
+          </a:prstGeom>
+          <a:solidFill>
+            <a:schemeClr val="bg1"/>
+          </a:solidFill>
+          <a:ln>
+            <a:solidFill>
+              <a:srgbClr val="002060"/>
+            </a:solidFill>
+          </a:ln>
+        </p:spPr>
+        <p:style>
+          <a:lnRef idx="2">
+            <a:schemeClr val="accent1">
+              <a:shade val="50000"/>
+            </a:schemeClr>
+          </a:lnRef>
+          <a:fillRef idx="1">
+            <a:schemeClr val="accent1"/>
+          </a:fillRef>
+          <a:effectRef idx="0">
+            <a:schemeClr val="accent1"/>
+          </a:effectRef>
+          <a:fontRef idx="minor">
+            <a:schemeClr val="lt1"/>
+          </a:fontRef>
+        </p:style>
+        <p:txBody>
+          <a:bodyPr rtlCol="0" anchor="ctr"/>
+          <a:lstStyle/>
+          <a:p>
+            <a:pPr algn="ctr"/>
+            <a:endParaRPr lang="ko-KR" altLang="en-US"/>
+          </a:p>
+        </p:txBody>
+      </p:sp>
+      <p:sp>
+        <p:nvSpPr>
+          <p:cNvPr id="4" name="직사각형 3"/>
+          <p:cNvSpPr/>
+          <p:nvPr/>
+        </p:nvSpPr>
+        <p:spPr>
+          <a:xfrm>
+            <a:off x="74024" y="444138"/>
+            <a:ext cx="2076993" cy="6331132"/>
+          </a:xfrm>
+          <a:prstGeom prst="rect">
+            <a:avLst/>
+          </a:prstGeom>
+          <a:solidFill>
+            <a:schemeClr val="bg1"/>
+          </a:solidFill>
+          <a:ln>
+            <a:solidFill>
+              <a:srgbClr val="002060"/>
+            </a:solidFill>
+          </a:ln>
+        </p:spPr>
+        <p:style>
+          <a:lnRef idx="2">
+            <a:schemeClr val="accent1">
+              <a:shade val="50000"/>
+            </a:schemeClr>
+          </a:lnRef>
+          <a:fillRef idx="1">
+            <a:schemeClr val="accent1"/>
+          </a:fillRef>
+          <a:effectRef idx="0">
+            <a:schemeClr val="accent1"/>
+          </a:effectRef>
+          <a:fontRef idx="minor">
+            <a:schemeClr val="lt1"/>
+          </a:fontRef>
+        </p:style>
+        <p:txBody>
+          <a:bodyPr rtlCol="0" anchor="ctr"/>
+          <a:lstStyle/>
+          <a:p>
+            <a:pPr algn="ctr"/>
+            <a:endParaRPr lang="ko-KR" altLang="en-US"/>
+          </a:p>
+        </p:txBody>
+      </p:sp>
+      <p:sp>
+        <p:nvSpPr>
+          <p:cNvPr id="5" name="TextBox 4"/>
+          <p:cNvSpPr txBox="1"/>
+          <p:nvPr/>
+        </p:nvSpPr>
+        <p:spPr>
+          <a:xfrm>
+            <a:off x="74024" y="444138"/>
+            <a:ext cx="2076993" cy="1954381"/>
+          </a:xfrm>
+          <a:prstGeom prst="rect">
+            <a:avLst/>
+          </a:prstGeom>
+          <a:noFill/>
+        </p:spPr>
+        <p:txBody>
+          <a:bodyPr wrap="square" rtlCol="0">
+            <a:spAutoFit/>
+          </a:bodyPr>
+          <a:lstStyle/>
+          <a:p>
+            <a:r>
+              <a:rPr lang="en-US" altLang="ko-KR" sz="1100" b="1" dirty="0" smtClean="0">
+                <a:latin typeface="Noto Sans CJK KR DemiLight" panose="020B0400000000000000" pitchFamily="34" charset="-127"/>
+                <a:ea typeface="Noto Sans CJK KR DemiLight" panose="020B0400000000000000" pitchFamily="34" charset="-127"/>
+              </a:rPr>
+              <a:t>* </a:t>
+            </a:r>
+            <a:r>
+              <a:rPr lang="ko-KR" altLang="en-US" sz="1100" b="1" dirty="0" smtClean="0">
+                <a:latin typeface="Noto Sans CJK KR DemiLight" panose="020B0400000000000000" pitchFamily="34" charset="-127"/>
+                <a:ea typeface="Noto Sans CJK KR DemiLight" panose="020B0400000000000000" pitchFamily="34" charset="-127"/>
+              </a:rPr>
+              <a:t>날짜</a:t>
+            </a:r>
+            <a:endParaRPr lang="en-US" altLang="ko-KR" sz="1100" b="1" dirty="0" smtClean="0">
+              <a:latin typeface="Noto Sans CJK KR DemiLight" panose="020B0400000000000000" pitchFamily="34" charset="-127"/>
+              <a:ea typeface="Noto Sans CJK KR DemiLight" panose="020B0400000000000000" pitchFamily="34" charset="-127"/>
+            </a:endParaRPr>
+          </a:p>
+          <a:p>
+            <a:r>
+              <a:rPr lang="en-US" altLang="ko-KR" sz="1100" dirty="0" smtClean="0">
+                <a:latin typeface="Noto Sans CJK KR DemiLight" panose="020B0400000000000000" pitchFamily="34" charset="-127"/>
+                <a:ea typeface="Noto Sans CJK KR DemiLight" panose="020B0400000000000000" pitchFamily="34" charset="-127"/>
+              </a:rPr>
+              <a:t>2021</a:t>
+            </a:r>
+            <a:r>
+              <a:rPr lang="ko-KR" altLang="en-US" sz="1100" dirty="0" smtClean="0">
+                <a:latin typeface="Noto Sans CJK KR DemiLight" panose="020B0400000000000000" pitchFamily="34" charset="-127"/>
+                <a:ea typeface="Noto Sans CJK KR DemiLight" panose="020B0400000000000000" pitchFamily="34" charset="-127"/>
+              </a:rPr>
+              <a:t>년 </a:t>
+            </a:r>
+            <a:r>
+              <a:rPr lang="en-US" altLang="ko-KR" sz="1100" dirty="0" smtClean="0">
+                <a:latin typeface="Noto Sans CJK KR DemiLight" panose="020B0400000000000000" pitchFamily="34" charset="-127"/>
+                <a:ea typeface="Noto Sans CJK KR DemiLight" panose="020B0400000000000000" pitchFamily="34" charset="-127"/>
+              </a:rPr>
+              <a:t>1</a:t>
+            </a:r>
+            <a:r>
+              <a:rPr lang="ko-KR" altLang="en-US" sz="1100" dirty="0" smtClean="0">
+                <a:latin typeface="Noto Sans CJK KR DemiLight" panose="020B0400000000000000" pitchFamily="34" charset="-127"/>
+                <a:ea typeface="Noto Sans CJK KR DemiLight" panose="020B0400000000000000" pitchFamily="34" charset="-127"/>
+              </a:rPr>
+              <a:t>월 </a:t>
+            </a:r>
+            <a:r>
+              <a:rPr lang="en-US" altLang="ko-KR" sz="1100" dirty="0" smtClean="0">
+                <a:latin typeface="Noto Sans CJK KR DemiLight" panose="020B0400000000000000" pitchFamily="34" charset="-127"/>
+                <a:ea typeface="Noto Sans CJK KR DemiLight" panose="020B0400000000000000" pitchFamily="34" charset="-127"/>
+              </a:rPr>
+              <a:t>13</a:t>
+            </a:r>
+            <a:r>
+              <a:rPr lang="ko-KR" altLang="en-US" sz="1100" dirty="0" smtClean="0">
+                <a:latin typeface="Noto Sans CJK KR DemiLight" panose="020B0400000000000000" pitchFamily="34" charset="-127"/>
+                <a:ea typeface="Noto Sans CJK KR DemiLight" panose="020B0400000000000000" pitchFamily="34" charset="-127"/>
+              </a:rPr>
+              <a:t>일</a:t>
+            </a:r>
+            <a:endParaRPr lang="en-US" altLang="ko-KR" sz="1100" dirty="0" smtClean="0">
+              <a:latin typeface="Noto Sans CJK KR DemiLight" panose="020B0400000000000000" pitchFamily="34" charset="-127"/>
+              <a:ea typeface="Noto Sans CJK KR DemiLight" panose="020B0400000000000000" pitchFamily="34" charset="-127"/>
+            </a:endParaRPr>
+          </a:p>
+          <a:p>
+            <a:endParaRPr lang="en-US" altLang="ko-KR" sz="1100" dirty="0">
+              <a:latin typeface="Noto Sans CJK KR DemiLight" panose="020B0400000000000000" pitchFamily="34" charset="-127"/>
+              <a:ea typeface="Noto Sans CJK KR DemiLight" panose="020B0400000000000000" pitchFamily="34" charset="-127"/>
+            </a:endParaRPr>
+          </a:p>
+          <a:p>
+            <a:r>
+              <a:rPr lang="en-US" altLang="ko-KR" sz="1100" b="1" dirty="0" smtClean="0">
+                <a:latin typeface="Noto Sans CJK KR DemiLight" panose="020B0400000000000000" pitchFamily="34" charset="-127"/>
+                <a:ea typeface="Noto Sans CJK KR DemiLight" panose="020B0400000000000000" pitchFamily="34" charset="-127"/>
+              </a:rPr>
+              <a:t>* </a:t>
+            </a:r>
+            <a:r>
+              <a:rPr lang="ko-KR" altLang="en-US" sz="1100" b="1" dirty="0" smtClean="0">
+                <a:latin typeface="Noto Sans CJK KR DemiLight" panose="020B0400000000000000" pitchFamily="34" charset="-127"/>
+                <a:ea typeface="Noto Sans CJK KR DemiLight" panose="020B0400000000000000" pitchFamily="34" charset="-127"/>
+              </a:rPr>
+              <a:t>참석자</a:t>
+            </a:r>
+            <a:endParaRPr lang="en-US" altLang="ko-KR" sz="1100" b="1" dirty="0" smtClean="0">
+              <a:latin typeface="Noto Sans CJK KR DemiLight" panose="020B0400000000000000" pitchFamily="34" charset="-127"/>
+              <a:ea typeface="Noto Sans CJK KR DemiLight" panose="020B0400000000000000" pitchFamily="34" charset="-127"/>
+            </a:endParaRPr>
+          </a:p>
+          <a:p>
+            <a:r>
+              <a:rPr lang="ko-KR" altLang="en-US" sz="1100" dirty="0" err="1" smtClean="0">
+                <a:latin typeface="Noto Sans CJK KR DemiLight" panose="020B0400000000000000" pitchFamily="34" charset="-127"/>
+                <a:ea typeface="Noto Sans CJK KR DemiLight" panose="020B0400000000000000" pitchFamily="34" charset="-127"/>
+              </a:rPr>
+              <a:t>김혜인</a:t>
+            </a:r>
+            <a:r>
+              <a:rPr lang="en-US" altLang="ko-KR" sz="1100" dirty="0" smtClean="0">
+                <a:latin typeface="Noto Sans CJK KR DemiLight" panose="020B0400000000000000" pitchFamily="34" charset="-127"/>
+                <a:ea typeface="Noto Sans CJK KR DemiLight" panose="020B0400000000000000" pitchFamily="34" charset="-127"/>
+              </a:rPr>
+              <a:t>, </a:t>
+            </a:r>
+            <a:r>
+              <a:rPr lang="ko-KR" altLang="en-US" sz="1100" dirty="0" smtClean="0">
+                <a:latin typeface="Noto Sans CJK KR DemiLight" panose="020B0400000000000000" pitchFamily="34" charset="-127"/>
+                <a:ea typeface="Noto Sans CJK KR DemiLight" panose="020B0400000000000000" pitchFamily="34" charset="-127"/>
+              </a:rPr>
+              <a:t>김수현</a:t>
+            </a:r>
+            <a:endParaRPr lang="en-US" altLang="ko-KR" sz="1100" dirty="0" smtClean="0">
+              <a:latin typeface="Noto Sans CJK KR DemiLight" panose="020B0400000000000000" pitchFamily="34" charset="-127"/>
+              <a:ea typeface="Noto Sans CJK KR DemiLight" panose="020B0400000000000000" pitchFamily="34" charset="-127"/>
+            </a:endParaRPr>
+          </a:p>
+          <a:p>
+            <a:endParaRPr lang="en-US" altLang="ko-KR" sz="1100" dirty="0">
+              <a:latin typeface="Noto Sans CJK KR DemiLight" panose="020B0400000000000000" pitchFamily="34" charset="-127"/>
+              <a:ea typeface="Noto Sans CJK KR DemiLight" panose="020B0400000000000000" pitchFamily="34" charset="-127"/>
+            </a:endParaRPr>
+          </a:p>
+          <a:p>
+            <a:r>
+              <a:rPr lang="en-US" altLang="ko-KR" sz="1100" b="1" dirty="0" smtClean="0">
+                <a:latin typeface="Noto Sans CJK KR DemiLight" panose="020B0400000000000000" pitchFamily="34" charset="-127"/>
+                <a:ea typeface="Noto Sans CJK KR DemiLight" panose="020B0400000000000000" pitchFamily="34" charset="-127"/>
+              </a:rPr>
+              <a:t>* </a:t>
+            </a:r>
+            <a:r>
+              <a:rPr lang="ko-KR" altLang="en-US" sz="1100" b="1" dirty="0" smtClean="0">
+                <a:latin typeface="Noto Sans CJK KR DemiLight" panose="020B0400000000000000" pitchFamily="34" charset="-127"/>
+                <a:ea typeface="Noto Sans CJK KR DemiLight" panose="020B0400000000000000" pitchFamily="34" charset="-127"/>
+              </a:rPr>
+              <a:t>장소</a:t>
+            </a:r>
+            <a:endParaRPr lang="en-US" altLang="ko-KR" sz="1100" b="1" dirty="0" smtClean="0">
+              <a:latin typeface="Noto Sans CJK KR DemiLight" panose="020B0400000000000000" pitchFamily="34" charset="-127"/>
+              <a:ea typeface="Noto Sans CJK KR DemiLight" panose="020B0400000000000000" pitchFamily="34" charset="-127"/>
+            </a:endParaRPr>
+          </a:p>
+          <a:p>
+            <a:r>
+              <a:rPr lang="ko-KR" altLang="en-US" sz="1100" dirty="0" err="1" smtClean="0">
+                <a:latin typeface="Noto Sans CJK KR DemiLight" panose="020B0400000000000000" pitchFamily="34" charset="-127"/>
+                <a:ea typeface="Noto Sans CJK KR DemiLight" panose="020B0400000000000000" pitchFamily="34" charset="-127"/>
+              </a:rPr>
+              <a:t>노버스메이</a:t>
+            </a:r>
+            <a:r>
+              <a:rPr lang="ko-KR" altLang="en-US" sz="1100" dirty="0" smtClean="0">
+                <a:latin typeface="Noto Sans CJK KR DemiLight" panose="020B0400000000000000" pitchFamily="34" charset="-127"/>
+                <a:ea typeface="Noto Sans CJK KR DemiLight" panose="020B0400000000000000" pitchFamily="34" charset="-127"/>
+              </a:rPr>
+              <a:t> 지하 소회의실</a:t>
+            </a:r>
+            <a:endParaRPr lang="en-US" altLang="ko-KR" sz="1100" dirty="0" smtClean="0">
+              <a:latin typeface="Noto Sans CJK KR DemiLight" panose="020B0400000000000000" pitchFamily="34" charset="-127"/>
+              <a:ea typeface="Noto Sans CJK KR DemiLight" panose="020B0400000000000000" pitchFamily="34" charset="-127"/>
+            </a:endParaRPr>
+          </a:p>
+          <a:p>
+            <a:endParaRPr lang="en-US" altLang="ko-KR" sz="1100" dirty="0" smtClean="0">
+              <a:latin typeface="Noto Sans CJK KR DemiLight" panose="020B0400000000000000" pitchFamily="34" charset="-127"/>
+              <a:ea typeface="Noto Sans CJK KR DemiLight" panose="020B0400000000000000" pitchFamily="34" charset="-127"/>
+            </a:endParaRPr>
+          </a:p>
+          <a:p>
+            <a:r>
+              <a:rPr lang="en-US" altLang="ko-KR" sz="1100" b="1" dirty="0" smtClean="0">
+                <a:latin typeface="Noto Sans CJK KR DemiLight" panose="020B0400000000000000" pitchFamily="34" charset="-127"/>
+                <a:ea typeface="Noto Sans CJK KR DemiLight" panose="020B0400000000000000" pitchFamily="34" charset="-127"/>
+              </a:rPr>
+              <a:t>* </a:t>
+            </a:r>
+            <a:r>
+              <a:rPr lang="ko-KR" altLang="en-US" sz="1100" b="1" dirty="0" smtClean="0">
+                <a:latin typeface="Noto Sans CJK KR DemiLight" panose="020B0400000000000000" pitchFamily="34" charset="-127"/>
+                <a:ea typeface="Noto Sans CJK KR DemiLight" panose="020B0400000000000000" pitchFamily="34" charset="-127"/>
+              </a:rPr>
+              <a:t>회의 안건</a:t>
+            </a:r>
+            <a:endParaRPr lang="en-US" altLang="ko-KR" sz="1100" b="1" dirty="0" smtClean="0">
+              <a:latin typeface="Noto Sans CJK KR DemiLight" panose="020B0400000000000000" pitchFamily="34" charset="-127"/>
+              <a:ea typeface="Noto Sans CJK KR DemiLight" panose="020B0400000000000000" pitchFamily="34" charset="-127"/>
+            </a:endParaRPr>
+          </a:p>
+          <a:p>
+            <a:r>
+              <a:rPr lang="ko-KR" altLang="en-US" sz="1100" dirty="0" smtClean="0">
+                <a:latin typeface="Noto Sans CJK KR DemiLight" panose="020B0400000000000000" pitchFamily="34" charset="-127"/>
+                <a:ea typeface="Noto Sans CJK KR DemiLight" panose="020B0400000000000000" pitchFamily="34" charset="-127"/>
+              </a:rPr>
+              <a:t>스터디 진행 방향</a:t>
+            </a:r>
+            <a:endParaRPr lang="ko-KR" altLang="en-US" sz="1100" dirty="0">
+              <a:latin typeface="Noto Sans CJK KR DemiLight" panose="020B0400000000000000" pitchFamily="34" charset="-127"/>
+              <a:ea typeface="Noto Sans CJK KR DemiLight" panose="020B0400000000000000" pitchFamily="34" charset="-127"/>
+            </a:endParaRPr>
+          </a:p>
+        </p:txBody>
+      </p:sp>
+      <p:sp>
+        <p:nvSpPr>
+          <p:cNvPr id="6" name="TextBox 5"/>
+          <p:cNvSpPr txBox="1"/>
+          <p:nvPr/>
+        </p:nvSpPr>
+        <p:spPr>
+          <a:xfrm>
+            <a:off x="11086011" y="64630"/>
+            <a:ext cx="1175657" cy="253916"/>
+          </a:xfrm>
+          <a:prstGeom prst="rect">
+            <a:avLst/>
+          </a:prstGeom>
+          <a:noFill/>
+        </p:spPr>
+        <p:txBody>
+          <a:bodyPr wrap="square" rtlCol="0">
+            <a:spAutoFit/>
+          </a:bodyPr>
+          <a:lstStyle/>
+          <a:p>
+            <a:r>
+              <a:rPr lang="ko-KR" altLang="en-US" sz="1050" b="1" dirty="0" smtClean="0">
+                <a:solidFill>
+                  <a:schemeClr val="bg1"/>
+                </a:solidFill>
+                <a:latin typeface="Noto Sans CJK KR DemiLight" panose="020B0400000000000000" pitchFamily="34" charset="-127"/>
+                <a:ea typeface="Noto Sans CJK KR DemiLight" panose="020B0400000000000000" pitchFamily="34" charset="-127"/>
+              </a:rPr>
+              <a:t>작성자 </a:t>
+            </a:r>
+            <a:r>
+              <a:rPr lang="en-US" altLang="ko-KR" sz="1050" b="1" dirty="0" smtClean="0">
+                <a:solidFill>
+                  <a:schemeClr val="bg1"/>
+                </a:solidFill>
+                <a:latin typeface="Noto Sans CJK KR DemiLight" panose="020B0400000000000000" pitchFamily="34" charset="-127"/>
+                <a:ea typeface="Noto Sans CJK KR DemiLight" panose="020B0400000000000000" pitchFamily="34" charset="-127"/>
+              </a:rPr>
+              <a:t>: </a:t>
+            </a:r>
+            <a:r>
+              <a:rPr lang="ko-KR" altLang="en-US" sz="1050" b="1" dirty="0" err="1" smtClean="0">
+                <a:solidFill>
+                  <a:schemeClr val="bg1"/>
+                </a:solidFill>
+                <a:latin typeface="Noto Sans CJK KR DemiLight" panose="020B0400000000000000" pitchFamily="34" charset="-127"/>
+                <a:ea typeface="Noto Sans CJK KR DemiLight" panose="020B0400000000000000" pitchFamily="34" charset="-127"/>
+              </a:rPr>
+              <a:t>김혜인</a:t>
+            </a:r>
+            <a:endParaRPr lang="ko-KR" altLang="en-US" sz="1050" b="1" dirty="0">
+              <a:solidFill>
+                <a:schemeClr val="bg1"/>
+              </a:solidFill>
+              <a:latin typeface="Noto Sans CJK KR DemiLight" panose="020B0400000000000000" pitchFamily="34" charset="-127"/>
+              <a:ea typeface="Noto Sans CJK KR DemiLight" panose="020B0400000000000000" pitchFamily="34" charset="-127"/>
+            </a:endParaRPr>
+          </a:p>
+        </p:txBody>
+      </p:sp>
+      <p:sp>
+        <p:nvSpPr>
+          <p:cNvPr id="7" name="TextBox 6"/>
+          <p:cNvSpPr txBox="1"/>
+          <p:nvPr/>
+        </p:nvSpPr>
+        <p:spPr>
+          <a:xfrm>
+            <a:off x="2238104" y="444138"/>
+            <a:ext cx="9884228" cy="2970044"/>
+          </a:xfrm>
+          <a:prstGeom prst="rect">
+            <a:avLst/>
+          </a:prstGeom>
+          <a:noFill/>
+        </p:spPr>
+        <p:txBody>
+          <a:bodyPr wrap="square" rtlCol="0">
+            <a:spAutoFit/>
+          </a:bodyPr>
+          <a:lstStyle/>
+          <a:p>
+            <a:r>
+              <a:rPr lang="en-US" altLang="ko-KR" sz="1100" b="1" dirty="0">
+                <a:latin typeface="Noto Sans CJK KR DemiLight" panose="020B0400000000000000" pitchFamily="34" charset="-127"/>
+                <a:ea typeface="Noto Sans CJK KR DemiLight" panose="020B0400000000000000" pitchFamily="34" charset="-127"/>
+              </a:rPr>
+              <a:t>[</a:t>
+            </a:r>
+            <a:r>
+              <a:rPr lang="ko-KR" altLang="en-US" sz="1100" b="1" dirty="0" smtClean="0">
+                <a:latin typeface="Noto Sans CJK KR DemiLight" panose="020B0400000000000000" pitchFamily="34" charset="-127"/>
+                <a:ea typeface="Noto Sans CJK KR DemiLight" panose="020B0400000000000000" pitchFamily="34" charset="-127"/>
+              </a:rPr>
+              <a:t>회의 내용</a:t>
+            </a:r>
+            <a:r>
+              <a:rPr lang="en-US" altLang="ko-KR" sz="1100" b="1" dirty="0" smtClean="0">
+                <a:latin typeface="Noto Sans CJK KR DemiLight" panose="020B0400000000000000" pitchFamily="34" charset="-127"/>
+                <a:ea typeface="Noto Sans CJK KR DemiLight" panose="020B0400000000000000" pitchFamily="34" charset="-127"/>
+              </a:rPr>
+              <a:t>]</a:t>
+            </a:r>
+          </a:p>
+          <a:p>
+            <a:pPr marL="171450" indent="-171450">
+              <a:buFontTx/>
+              <a:buChar char="-"/>
+            </a:pPr>
+            <a:r>
+              <a:rPr lang="ko-KR" altLang="en-US" sz="1100" dirty="0" smtClean="0">
+                <a:latin typeface="Noto Sans CJK KR DemiLight" panose="020B0400000000000000" pitchFamily="34" charset="-127"/>
+                <a:ea typeface="Noto Sans CJK KR DemiLight" panose="020B0400000000000000" pitchFamily="34" charset="-127"/>
+              </a:rPr>
+              <a:t>스터디 주기는 열흘에 한번 씩 </a:t>
+            </a:r>
+            <a:r>
+              <a:rPr lang="en-US" altLang="ko-KR" sz="1100" dirty="0" smtClean="0">
+                <a:latin typeface="Noto Sans CJK KR DemiLight" panose="020B0400000000000000" pitchFamily="34" charset="-127"/>
+                <a:ea typeface="Noto Sans CJK KR DemiLight" panose="020B0400000000000000" pitchFamily="34" charset="-127"/>
+              </a:rPr>
+              <a:t>/ </a:t>
+            </a:r>
+            <a:r>
+              <a:rPr lang="ko-KR" altLang="en-US" sz="1100" dirty="0" smtClean="0">
+                <a:latin typeface="Noto Sans CJK KR DemiLight" panose="020B0400000000000000" pitchFamily="34" charset="-127"/>
+                <a:ea typeface="Noto Sans CJK KR DemiLight" panose="020B0400000000000000" pitchFamily="34" charset="-127"/>
+              </a:rPr>
+              <a:t>날짜는 아직 미정</a:t>
+            </a:r>
+            <a:endParaRPr lang="en-US" altLang="ko-KR" sz="1100" dirty="0" smtClean="0">
+              <a:latin typeface="Noto Sans CJK KR DemiLight" panose="020B0400000000000000" pitchFamily="34" charset="-127"/>
+              <a:ea typeface="Noto Sans CJK KR DemiLight" panose="020B0400000000000000" pitchFamily="34" charset="-127"/>
+            </a:endParaRPr>
+          </a:p>
+          <a:p>
+            <a:pPr marL="171450" indent="-171450">
+              <a:buFontTx/>
+              <a:buChar char="-"/>
+            </a:pPr>
+            <a:r>
+              <a:rPr lang="ko-KR" altLang="en-US" sz="1100" dirty="0" smtClean="0">
+                <a:latin typeface="Noto Sans CJK KR DemiLight" panose="020B0400000000000000" pitchFamily="34" charset="-127"/>
+                <a:ea typeface="Noto Sans CJK KR DemiLight" panose="020B0400000000000000" pitchFamily="34" charset="-127"/>
+              </a:rPr>
+              <a:t>기술 블로그처럼 스터디 내용을 정리해서 올리고 관련 내용 리뷰하는 방식으로 진행</a:t>
+            </a:r>
+            <a:endParaRPr lang="en-US" altLang="ko-KR" sz="1100" dirty="0" smtClean="0">
+              <a:latin typeface="Noto Sans CJK KR DemiLight" panose="020B0400000000000000" pitchFamily="34" charset="-127"/>
+              <a:ea typeface="Noto Sans CJK KR DemiLight" panose="020B0400000000000000" pitchFamily="34" charset="-127"/>
+            </a:endParaRPr>
+          </a:p>
+          <a:p>
+            <a:pPr marL="171450" indent="-171450">
+              <a:buFontTx/>
+              <a:buChar char="-"/>
+            </a:pPr>
+            <a:r>
+              <a:rPr lang="ko-KR" altLang="en-US" sz="1100" dirty="0" smtClean="0">
+                <a:latin typeface="Noto Sans CJK KR DemiLight" panose="020B0400000000000000" pitchFamily="34" charset="-127"/>
+                <a:ea typeface="Noto Sans CJK KR DemiLight" panose="020B0400000000000000" pitchFamily="34" charset="-127"/>
+              </a:rPr>
+              <a:t>추후 블로그에 검색 기능 넣고 코멘트 기능 넣을 예정</a:t>
+            </a:r>
+            <a:r>
+              <a:rPr lang="en-US" altLang="ko-KR" sz="1100" dirty="0" smtClean="0">
+                <a:latin typeface="Noto Sans CJK KR DemiLight" panose="020B0400000000000000" pitchFamily="34" charset="-127"/>
+                <a:ea typeface="Noto Sans CJK KR DemiLight" panose="020B0400000000000000" pitchFamily="34" charset="-127"/>
+              </a:rPr>
+              <a:t>(</a:t>
+            </a:r>
+            <a:r>
+              <a:rPr lang="ko-KR" altLang="en-US" sz="1100" dirty="0" smtClean="0">
+                <a:latin typeface="Noto Sans CJK KR DemiLight" panose="020B0400000000000000" pitchFamily="34" charset="-127"/>
+                <a:ea typeface="Noto Sans CJK KR DemiLight" panose="020B0400000000000000" pitchFamily="34" charset="-127"/>
+              </a:rPr>
+              <a:t>블로그 사이트처럼 </a:t>
+            </a:r>
+            <a:r>
+              <a:rPr lang="ko-KR" altLang="en-US" sz="1100" dirty="0" err="1" smtClean="0">
+                <a:latin typeface="Noto Sans CJK KR DemiLight" panose="020B0400000000000000" pitchFamily="34" charset="-127"/>
+                <a:ea typeface="Noto Sans CJK KR DemiLight" panose="020B0400000000000000" pitchFamily="34" charset="-127"/>
+              </a:rPr>
+              <a:t>운영예정</a:t>
+            </a:r>
+            <a:r>
+              <a:rPr lang="en-US" altLang="ko-KR" sz="1100" dirty="0" smtClean="0">
+                <a:latin typeface="Noto Sans CJK KR DemiLight" panose="020B0400000000000000" pitchFamily="34" charset="-127"/>
+                <a:ea typeface="Noto Sans CJK KR DemiLight" panose="020B0400000000000000" pitchFamily="34" charset="-127"/>
+              </a:rPr>
+              <a:t>)</a:t>
+            </a:r>
+          </a:p>
+          <a:p>
+            <a:pPr marL="171450" indent="-171450">
+              <a:buFontTx/>
+              <a:buChar char="-"/>
+            </a:pPr>
+            <a:r>
+              <a:rPr lang="ko-KR" altLang="en-US" sz="1100" dirty="0" smtClean="0">
+                <a:latin typeface="Noto Sans CJK KR DemiLight" panose="020B0400000000000000" pitchFamily="34" charset="-127"/>
+                <a:ea typeface="Noto Sans CJK KR DemiLight" panose="020B0400000000000000" pitchFamily="34" charset="-127"/>
+              </a:rPr>
+              <a:t>우리가 사용했던 기술</a:t>
+            </a:r>
+            <a:r>
+              <a:rPr lang="en-US" altLang="ko-KR" sz="1100" dirty="0" smtClean="0">
+                <a:latin typeface="Noto Sans CJK KR DemiLight" panose="020B0400000000000000" pitchFamily="34" charset="-127"/>
+                <a:ea typeface="Noto Sans CJK KR DemiLight" panose="020B0400000000000000" pitchFamily="34" charset="-127"/>
+              </a:rPr>
+              <a:t>/</a:t>
+            </a:r>
+            <a:r>
+              <a:rPr lang="ko-KR" altLang="en-US" sz="1100" dirty="0" smtClean="0">
+                <a:latin typeface="Noto Sans CJK KR DemiLight" panose="020B0400000000000000" pitchFamily="34" charset="-127"/>
+                <a:ea typeface="Noto Sans CJK KR DemiLight" panose="020B0400000000000000" pitchFamily="34" charset="-127"/>
+              </a:rPr>
+              <a:t>기능 정리해서 올리면 좋을 것 같다</a:t>
+            </a:r>
+            <a:r>
+              <a:rPr lang="en-US" altLang="ko-KR" sz="1100" dirty="0" smtClean="0">
+                <a:latin typeface="Noto Sans CJK KR DemiLight" panose="020B0400000000000000" pitchFamily="34" charset="-127"/>
+                <a:ea typeface="Noto Sans CJK KR DemiLight" panose="020B0400000000000000" pitchFamily="34" charset="-127"/>
+              </a:rPr>
+              <a:t>.</a:t>
+            </a:r>
+          </a:p>
+          <a:p>
+            <a:r>
+              <a:rPr lang="ko-KR" altLang="en-US" sz="1100" dirty="0" smtClean="0">
+                <a:latin typeface="Noto Sans CJK KR DemiLight" panose="020B0400000000000000" pitchFamily="34" charset="-127"/>
+                <a:ea typeface="Noto Sans CJK KR DemiLight" panose="020B0400000000000000" pitchFamily="34" charset="-127"/>
+              </a:rPr>
+              <a:t>　</a:t>
+            </a:r>
+            <a:r>
+              <a:rPr lang="ko-KR" altLang="en-US" sz="1100" dirty="0">
+                <a:latin typeface="Noto Sans CJK KR DemiLight" panose="020B0400000000000000" pitchFamily="34" charset="-127"/>
+                <a:ea typeface="Noto Sans CJK KR DemiLight" panose="020B0400000000000000" pitchFamily="34" charset="-127"/>
+              </a:rPr>
+              <a:t>　 </a:t>
+            </a:r>
+            <a:r>
+              <a:rPr lang="en-US" altLang="ko-KR" sz="1100" dirty="0" smtClean="0">
+                <a:latin typeface="Noto Sans CJK KR DemiLight" panose="020B0400000000000000" pitchFamily="34" charset="-127"/>
+                <a:ea typeface="Noto Sans CJK KR DemiLight" panose="020B0400000000000000" pitchFamily="34" charset="-127"/>
+              </a:rPr>
+              <a:t>(Ex. </a:t>
+            </a:r>
+            <a:r>
+              <a:rPr lang="en-US" altLang="ko-KR" sz="1100" dirty="0" err="1" smtClean="0">
+                <a:latin typeface="Noto Sans CJK KR DemiLight" panose="020B0400000000000000" pitchFamily="34" charset="-127"/>
+                <a:ea typeface="Noto Sans CJK KR DemiLight" panose="020B0400000000000000" pitchFamily="34" charset="-127"/>
+              </a:rPr>
+              <a:t>Css</a:t>
+            </a:r>
+            <a:r>
+              <a:rPr lang="en-US" altLang="ko-KR" sz="1100" dirty="0" smtClean="0">
+                <a:latin typeface="Noto Sans CJK KR DemiLight" panose="020B0400000000000000" pitchFamily="34" charset="-127"/>
+                <a:ea typeface="Noto Sans CJK KR DemiLight" panose="020B0400000000000000" pitchFamily="34" charset="-127"/>
+              </a:rPr>
+              <a:t> vertical-align </a:t>
+            </a:r>
+            <a:r>
+              <a:rPr lang="ko-KR" altLang="en-US" sz="1100" dirty="0" smtClean="0">
+                <a:latin typeface="Noto Sans CJK KR DemiLight" panose="020B0400000000000000" pitchFamily="34" charset="-127"/>
+                <a:ea typeface="Noto Sans CJK KR DemiLight" panose="020B0400000000000000" pitchFamily="34" charset="-127"/>
+              </a:rPr>
+              <a:t>관련 </a:t>
+            </a:r>
+            <a:r>
+              <a:rPr lang="en-US" altLang="ko-KR" sz="1100" dirty="0" smtClean="0">
+                <a:latin typeface="Noto Sans CJK KR DemiLight" panose="020B0400000000000000" pitchFamily="34" charset="-127"/>
+                <a:ea typeface="Noto Sans CJK KR DemiLight" panose="020B0400000000000000" pitchFamily="34" charset="-127"/>
+              </a:rPr>
+              <a:t>/ </a:t>
+            </a:r>
+            <a:r>
+              <a:rPr lang="ko-KR" altLang="en-US" sz="1100" dirty="0" err="1" smtClean="0">
+                <a:latin typeface="Noto Sans CJK KR DemiLight" panose="020B0400000000000000" pitchFamily="34" charset="-127"/>
+                <a:ea typeface="Noto Sans CJK KR DemiLight" panose="020B0400000000000000" pitchFamily="34" charset="-127"/>
+              </a:rPr>
+              <a:t>스크롤매직</a:t>
+            </a:r>
+            <a:r>
+              <a:rPr lang="en-US" altLang="ko-KR" sz="1100" dirty="0" smtClean="0">
+                <a:latin typeface="Noto Sans CJK KR DemiLight" panose="020B0400000000000000" pitchFamily="34" charset="-127"/>
+                <a:ea typeface="Noto Sans CJK KR DemiLight" panose="020B0400000000000000" pitchFamily="34" charset="-127"/>
+              </a:rPr>
+              <a:t>, </a:t>
+            </a:r>
+            <a:r>
+              <a:rPr lang="ko-KR" altLang="en-US" sz="1100" dirty="0" err="1" smtClean="0">
+                <a:latin typeface="Noto Sans CJK KR DemiLight" panose="020B0400000000000000" pitchFamily="34" charset="-127"/>
+                <a:ea typeface="Noto Sans CJK KR DemiLight" panose="020B0400000000000000" pitchFamily="34" charset="-127"/>
+              </a:rPr>
+              <a:t>트윈맥스</a:t>
+            </a:r>
+            <a:r>
+              <a:rPr lang="ko-KR" altLang="en-US" sz="1100" dirty="0" smtClean="0">
+                <a:latin typeface="Noto Sans CJK KR DemiLight" panose="020B0400000000000000" pitchFamily="34" charset="-127"/>
+                <a:ea typeface="Noto Sans CJK KR DemiLight" panose="020B0400000000000000" pitchFamily="34" charset="-127"/>
+              </a:rPr>
+              <a:t> 활용법 </a:t>
+            </a:r>
+            <a:r>
+              <a:rPr lang="en-US" altLang="ko-KR" sz="1100" dirty="0" smtClean="0">
+                <a:latin typeface="Noto Sans CJK KR DemiLight" panose="020B0400000000000000" pitchFamily="34" charset="-127"/>
+                <a:ea typeface="Noto Sans CJK KR DemiLight" panose="020B0400000000000000" pitchFamily="34" charset="-127"/>
+              </a:rPr>
+              <a:t>/ </a:t>
+            </a:r>
+            <a:r>
+              <a:rPr lang="ko-KR" altLang="en-US" sz="1100" dirty="0" err="1" smtClean="0">
+                <a:latin typeface="Noto Sans CJK KR DemiLight" panose="020B0400000000000000" pitchFamily="34" charset="-127"/>
+                <a:ea typeface="Noto Sans CJK KR DemiLight" panose="020B0400000000000000" pitchFamily="34" charset="-127"/>
+              </a:rPr>
+              <a:t>카운팅</a:t>
+            </a:r>
+            <a:r>
+              <a:rPr lang="ko-KR" altLang="en-US" sz="1100" dirty="0" smtClean="0">
+                <a:latin typeface="Noto Sans CJK KR DemiLight" panose="020B0400000000000000" pitchFamily="34" charset="-127"/>
+                <a:ea typeface="Noto Sans CJK KR DemiLight" panose="020B0400000000000000" pitchFamily="34" charset="-127"/>
+              </a:rPr>
+              <a:t> 구현하기 </a:t>
+            </a:r>
+            <a:r>
+              <a:rPr lang="en-US" altLang="ko-KR" sz="1100" dirty="0" smtClean="0">
+                <a:latin typeface="Noto Sans CJK KR DemiLight" panose="020B0400000000000000" pitchFamily="34" charset="-127"/>
+                <a:ea typeface="Noto Sans CJK KR DemiLight" panose="020B0400000000000000" pitchFamily="34" charset="-127"/>
+              </a:rPr>
+              <a:t>/ </a:t>
+            </a:r>
+            <a:r>
+              <a:rPr lang="ko-KR" altLang="en-US" sz="1100" dirty="0" err="1" smtClean="0">
+                <a:latin typeface="Noto Sans CJK KR DemiLight" panose="020B0400000000000000" pitchFamily="34" charset="-127"/>
+                <a:ea typeface="Noto Sans CJK KR DemiLight" panose="020B0400000000000000" pitchFamily="34" charset="-127"/>
+              </a:rPr>
+              <a:t>페이징네이션</a:t>
+            </a:r>
+            <a:r>
+              <a:rPr lang="en-US" altLang="ko-KR" sz="1100" dirty="0" smtClean="0">
+                <a:latin typeface="Noto Sans CJK KR DemiLight" panose="020B0400000000000000" pitchFamily="34" charset="-127"/>
+                <a:ea typeface="Noto Sans CJK KR DemiLight" panose="020B0400000000000000" pitchFamily="34" charset="-127"/>
+              </a:rPr>
+              <a:t>)</a:t>
+            </a:r>
+          </a:p>
+          <a:p>
+            <a:pPr marL="171450" indent="-171450">
+              <a:buFontTx/>
+              <a:buChar char="-"/>
+            </a:pPr>
+            <a:r>
+              <a:rPr lang="ko-KR" altLang="en-US" sz="1100" dirty="0" smtClean="0">
+                <a:latin typeface="Noto Sans CJK KR DemiLight" panose="020B0400000000000000" pitchFamily="34" charset="-127"/>
+                <a:ea typeface="Noto Sans CJK KR DemiLight" panose="020B0400000000000000" pitchFamily="34" charset="-127"/>
+              </a:rPr>
+              <a:t>블로그 </a:t>
+            </a:r>
+            <a:r>
+              <a:rPr lang="ko-KR" altLang="en-US" sz="1100" dirty="0" err="1" smtClean="0">
+                <a:latin typeface="Noto Sans CJK KR DemiLight" panose="020B0400000000000000" pitchFamily="34" charset="-127"/>
+                <a:ea typeface="Noto Sans CJK KR DemiLight" panose="020B0400000000000000" pitchFamily="34" charset="-127"/>
+              </a:rPr>
+              <a:t>초기세팅은</a:t>
+            </a:r>
+            <a:r>
+              <a:rPr lang="ko-KR" altLang="en-US" sz="1100" dirty="0" smtClean="0">
+                <a:latin typeface="Noto Sans CJK KR DemiLight" panose="020B0400000000000000" pitchFamily="34" charset="-127"/>
+                <a:ea typeface="Noto Sans CJK KR DemiLight" panose="020B0400000000000000" pitchFamily="34" charset="-127"/>
+              </a:rPr>
+              <a:t> 김수현사원이 진행</a:t>
+            </a:r>
+            <a:endParaRPr lang="en-US" altLang="ko-KR" sz="1100" dirty="0" smtClean="0">
+              <a:latin typeface="Noto Sans CJK KR DemiLight" panose="020B0400000000000000" pitchFamily="34" charset="-127"/>
+              <a:ea typeface="Noto Sans CJK KR DemiLight" panose="020B0400000000000000" pitchFamily="34" charset="-127"/>
+            </a:endParaRPr>
+          </a:p>
+          <a:p>
+            <a:pPr marL="171450" indent="-171450">
+              <a:buFontTx/>
+              <a:buChar char="-"/>
+            </a:pPr>
+            <a:r>
+              <a:rPr lang="en-US" altLang="ko-KR" sz="1100" dirty="0" err="1" smtClean="0">
+                <a:latin typeface="Noto Sans CJK KR DemiLight" panose="020B0400000000000000" pitchFamily="34" charset="-127"/>
+                <a:ea typeface="Noto Sans CJK KR DemiLight" panose="020B0400000000000000" pitchFamily="34" charset="-127"/>
+              </a:rPr>
+              <a:t>Git</a:t>
+            </a:r>
+            <a:r>
+              <a:rPr lang="en-US" altLang="ko-KR" sz="1100" dirty="0" smtClean="0">
+                <a:latin typeface="Noto Sans CJK KR DemiLight" panose="020B0400000000000000" pitchFamily="34" charset="-127"/>
+                <a:ea typeface="Noto Sans CJK KR DemiLight" panose="020B0400000000000000" pitchFamily="34" charset="-127"/>
+              </a:rPr>
+              <a:t> </a:t>
+            </a:r>
+            <a:r>
+              <a:rPr lang="ko-KR" altLang="en-US" sz="1100" dirty="0" smtClean="0">
+                <a:latin typeface="Noto Sans CJK KR DemiLight" panose="020B0400000000000000" pitchFamily="34" charset="-127"/>
+                <a:ea typeface="Noto Sans CJK KR DemiLight" panose="020B0400000000000000" pitchFamily="34" charset="-127"/>
+              </a:rPr>
+              <a:t>활용</a:t>
+            </a:r>
+            <a:endParaRPr lang="en-US" altLang="ko-KR" sz="1100" dirty="0" smtClean="0">
+              <a:latin typeface="Noto Sans CJK KR DemiLight" panose="020B0400000000000000" pitchFamily="34" charset="-127"/>
+              <a:ea typeface="Noto Sans CJK KR DemiLight" panose="020B0400000000000000" pitchFamily="34" charset="-127"/>
+            </a:endParaRPr>
+          </a:p>
+          <a:p>
+            <a:pPr marL="171450" indent="-171450">
+              <a:buFontTx/>
+              <a:buChar char="-"/>
+            </a:pPr>
+            <a:r>
+              <a:rPr lang="ko-KR" altLang="en-US" sz="1100" dirty="0" smtClean="0">
+                <a:latin typeface="Noto Sans CJK KR DemiLight" panose="020B0400000000000000" pitchFamily="34" charset="-127"/>
+                <a:ea typeface="Noto Sans CJK KR DemiLight" panose="020B0400000000000000" pitchFamily="34" charset="-127"/>
+              </a:rPr>
+              <a:t>타사 홈페이지 리뷰는 한 달에 한 번만 하는 걸로</a:t>
+            </a:r>
+            <a:endParaRPr lang="en-US" altLang="ko-KR" sz="1100" dirty="0" smtClean="0">
+              <a:latin typeface="Noto Sans CJK KR DemiLight" panose="020B0400000000000000" pitchFamily="34" charset="-127"/>
+              <a:ea typeface="Noto Sans CJK KR DemiLight" panose="020B0400000000000000" pitchFamily="34" charset="-127"/>
+            </a:endParaRPr>
+          </a:p>
+          <a:p>
+            <a:pPr marL="171450" indent="-171450">
+              <a:buFontTx/>
+              <a:buChar char="-"/>
+            </a:pPr>
+            <a:r>
+              <a:rPr lang="en-US" altLang="ko-KR" sz="1100" dirty="0" smtClean="0">
+                <a:latin typeface="Noto Sans CJK KR DemiLight" panose="020B0400000000000000" pitchFamily="34" charset="-127"/>
+                <a:ea typeface="Noto Sans CJK KR DemiLight" panose="020B0400000000000000" pitchFamily="34" charset="-127"/>
+              </a:rPr>
+              <a:t>‘</a:t>
+            </a:r>
+            <a:r>
+              <a:rPr lang="ko-KR" altLang="en-US" sz="1100" dirty="0" err="1" smtClean="0">
+                <a:latin typeface="Noto Sans CJK KR DemiLight" panose="020B0400000000000000" pitchFamily="34" charset="-127"/>
+                <a:ea typeface="Noto Sans CJK KR DemiLight" panose="020B0400000000000000" pitchFamily="34" charset="-127"/>
+              </a:rPr>
+              <a:t>웹접근성</a:t>
+            </a:r>
+            <a:r>
+              <a:rPr lang="en-US" altLang="ko-KR" sz="1100" dirty="0" smtClean="0">
+                <a:latin typeface="Noto Sans CJK KR DemiLight" panose="020B0400000000000000" pitchFamily="34" charset="-127"/>
+                <a:ea typeface="Noto Sans CJK KR DemiLight" panose="020B0400000000000000" pitchFamily="34" charset="-127"/>
+              </a:rPr>
+              <a:t>’</a:t>
+            </a:r>
+            <a:r>
+              <a:rPr lang="ko-KR" altLang="en-US" sz="1100" dirty="0" smtClean="0">
+                <a:latin typeface="Noto Sans CJK KR DemiLight" panose="020B0400000000000000" pitchFamily="34" charset="-127"/>
+                <a:ea typeface="Noto Sans CJK KR DemiLight" panose="020B0400000000000000" pitchFamily="34" charset="-127"/>
+              </a:rPr>
+              <a:t>은 계속 공부하기 </a:t>
+            </a:r>
+            <a:r>
+              <a:rPr lang="en-US" altLang="ko-KR" sz="1100" dirty="0" smtClean="0">
+                <a:latin typeface="Noto Sans CJK KR DemiLight" panose="020B0400000000000000" pitchFamily="34" charset="-127"/>
+                <a:ea typeface="Noto Sans CJK KR DemiLight" panose="020B0400000000000000" pitchFamily="34" charset="-127"/>
+              </a:rPr>
+              <a:t>-&gt; </a:t>
+            </a:r>
+            <a:r>
+              <a:rPr lang="ko-KR" altLang="en-US" sz="1100" dirty="0" err="1" smtClean="0">
+                <a:latin typeface="Noto Sans CJK KR DemiLight" panose="020B0400000000000000" pitchFamily="34" charset="-127"/>
+                <a:ea typeface="Noto Sans CJK KR DemiLight" panose="020B0400000000000000" pitchFamily="34" charset="-127"/>
+              </a:rPr>
+              <a:t>웹접근성</a:t>
+            </a:r>
+            <a:r>
+              <a:rPr lang="ko-KR" altLang="en-US" sz="1100" dirty="0" smtClean="0">
+                <a:latin typeface="Noto Sans CJK KR DemiLight" panose="020B0400000000000000" pitchFamily="34" charset="-127"/>
+                <a:ea typeface="Noto Sans CJK KR DemiLight" panose="020B0400000000000000" pitchFamily="34" charset="-127"/>
+              </a:rPr>
+              <a:t> 공부 방식은 미정</a:t>
+            </a:r>
+            <a:endParaRPr lang="en-US" altLang="ko-KR" sz="1100" dirty="0" smtClean="0">
+              <a:latin typeface="Noto Sans CJK KR DemiLight" panose="020B0400000000000000" pitchFamily="34" charset="-127"/>
+              <a:ea typeface="Noto Sans CJK KR DemiLight" panose="020B0400000000000000" pitchFamily="34" charset="-127"/>
+            </a:endParaRPr>
+          </a:p>
+          <a:p>
+            <a:pPr marL="171450" indent="-171450">
+              <a:buFontTx/>
+              <a:buChar char="-"/>
+            </a:pPr>
+            <a:r>
+              <a:rPr lang="ko-KR" altLang="en-US" sz="1100" dirty="0" smtClean="0">
+                <a:latin typeface="Noto Sans CJK KR DemiLight" panose="020B0400000000000000" pitchFamily="34" charset="-127"/>
+                <a:ea typeface="Noto Sans CJK KR DemiLight" panose="020B0400000000000000" pitchFamily="34" charset="-127"/>
+              </a:rPr>
+              <a:t>다음 스터디는 블로그 레이아웃이 완성되면 진행</a:t>
+            </a:r>
+            <a:r>
+              <a:rPr lang="en-US" altLang="ko-KR" sz="1100" dirty="0" smtClean="0">
+                <a:latin typeface="Noto Sans CJK KR DemiLight" panose="020B0400000000000000" pitchFamily="34" charset="-127"/>
+                <a:ea typeface="Noto Sans CJK KR DemiLight" panose="020B0400000000000000" pitchFamily="34" charset="-127"/>
+              </a:rPr>
+              <a:t>(15</a:t>
+            </a:r>
+            <a:r>
+              <a:rPr lang="ko-KR" altLang="en-US" sz="1100" dirty="0" smtClean="0">
+                <a:latin typeface="Noto Sans CJK KR DemiLight" panose="020B0400000000000000" pitchFamily="34" charset="-127"/>
+                <a:ea typeface="Noto Sans CJK KR DemiLight" panose="020B0400000000000000" pitchFamily="34" charset="-127"/>
+              </a:rPr>
+              <a:t>일 오후 쯤 진행 예정</a:t>
+            </a:r>
+            <a:r>
+              <a:rPr lang="en-US" altLang="ko-KR" sz="1100" dirty="0" smtClean="0">
+                <a:latin typeface="Noto Sans CJK KR DemiLight" panose="020B0400000000000000" pitchFamily="34" charset="-127"/>
+                <a:ea typeface="Noto Sans CJK KR DemiLight" panose="020B0400000000000000" pitchFamily="34" charset="-127"/>
+              </a:rPr>
+              <a:t>)</a:t>
+            </a:r>
+          </a:p>
+          <a:p>
+            <a:pPr marL="171450" indent="-171450">
+              <a:buFontTx/>
+              <a:buChar char="-"/>
+            </a:pPr>
+            <a:endParaRPr lang="en-US" altLang="ko-KR" sz="1100" dirty="0" smtClean="0">
+              <a:latin typeface="Noto Sans CJK KR DemiLight" panose="020B0400000000000000" pitchFamily="34" charset="-127"/>
+              <a:ea typeface="Noto Sans CJK KR DemiLight" panose="020B0400000000000000" pitchFamily="34" charset="-127"/>
+            </a:endParaRPr>
+          </a:p>
+          <a:p>
+            <a:endParaRPr lang="en-US" altLang="ko-KR" sz="1100" dirty="0">
+              <a:latin typeface="Noto Sans CJK KR DemiLight" panose="020B0400000000000000" pitchFamily="34" charset="-127"/>
+              <a:ea typeface="Noto Sans CJK KR DemiLight" panose="020B0400000000000000" pitchFamily="34" charset="-127"/>
+            </a:endParaRPr>
+          </a:p>
+          <a:p>
+            <a:r>
+              <a:rPr lang="en-US" altLang="ko-KR" sz="1100" b="1" dirty="0">
+                <a:latin typeface="Noto Sans CJK KR DemiLight" panose="020B0400000000000000" pitchFamily="34" charset="-127"/>
+                <a:ea typeface="Noto Sans CJK KR DemiLight" panose="020B0400000000000000" pitchFamily="34" charset="-127"/>
+              </a:rPr>
+              <a:t>[</a:t>
+            </a:r>
+            <a:r>
+              <a:rPr lang="ko-KR" altLang="en-US" sz="1100" b="1" dirty="0" smtClean="0">
+                <a:latin typeface="Noto Sans CJK KR DemiLight" panose="020B0400000000000000" pitchFamily="34" charset="-127"/>
+                <a:ea typeface="Noto Sans CJK KR DemiLight" panose="020B0400000000000000" pitchFamily="34" charset="-127"/>
+              </a:rPr>
+              <a:t>다음 스터디에서 정할 내용</a:t>
+            </a:r>
+            <a:r>
+              <a:rPr lang="en-US" altLang="ko-KR" sz="1100" b="1" dirty="0" smtClean="0">
+                <a:latin typeface="Noto Sans CJK KR DemiLight" panose="020B0400000000000000" pitchFamily="34" charset="-127"/>
+                <a:ea typeface="Noto Sans CJK KR DemiLight" panose="020B0400000000000000" pitchFamily="34" charset="-127"/>
+              </a:rPr>
+              <a:t>]</a:t>
+            </a:r>
+          </a:p>
+          <a:p>
+            <a:r>
+              <a:rPr lang="en-US" altLang="ko-KR" sz="1100" dirty="0" smtClean="0">
+                <a:latin typeface="Noto Sans CJK KR DemiLight" panose="020B0400000000000000" pitchFamily="34" charset="-127"/>
+                <a:ea typeface="Noto Sans CJK KR DemiLight" panose="020B0400000000000000" pitchFamily="34" charset="-127"/>
+              </a:rPr>
+              <a:t>1) </a:t>
+            </a:r>
+            <a:r>
+              <a:rPr lang="ko-KR" altLang="en-US" sz="1100" dirty="0" smtClean="0">
+                <a:latin typeface="Noto Sans CJK KR DemiLight" panose="020B0400000000000000" pitchFamily="34" charset="-127"/>
+                <a:ea typeface="Noto Sans CJK KR DemiLight" panose="020B0400000000000000" pitchFamily="34" charset="-127"/>
+              </a:rPr>
+              <a:t>스터디 날짜</a:t>
+            </a:r>
+            <a:r>
+              <a:rPr lang="en-US" altLang="ko-KR" sz="1100" dirty="0" smtClean="0">
+                <a:latin typeface="Noto Sans CJK KR DemiLight" panose="020B0400000000000000" pitchFamily="34" charset="-127"/>
+                <a:ea typeface="Noto Sans CJK KR DemiLight" panose="020B0400000000000000" pitchFamily="34" charset="-127"/>
+              </a:rPr>
+              <a:t>(5</a:t>
+            </a:r>
+            <a:r>
+              <a:rPr lang="ko-KR" altLang="en-US" sz="1100" dirty="0" smtClean="0">
+                <a:latin typeface="Noto Sans CJK KR DemiLight" panose="020B0400000000000000" pitchFamily="34" charset="-127"/>
+                <a:ea typeface="Noto Sans CJK KR DemiLight" panose="020B0400000000000000" pitchFamily="34" charset="-127"/>
+              </a:rPr>
+              <a:t>일</a:t>
+            </a:r>
+            <a:r>
+              <a:rPr lang="en-US" altLang="ko-KR" sz="1100" dirty="0" smtClean="0">
+                <a:latin typeface="Noto Sans CJK KR DemiLight" panose="020B0400000000000000" pitchFamily="34" charset="-127"/>
+                <a:ea typeface="Noto Sans CJK KR DemiLight" panose="020B0400000000000000" pitchFamily="34" charset="-127"/>
+              </a:rPr>
+              <a:t>, 10</a:t>
+            </a:r>
+            <a:r>
+              <a:rPr lang="ko-KR" altLang="en-US" sz="1100" dirty="0" smtClean="0">
+                <a:latin typeface="Noto Sans CJK KR DemiLight" panose="020B0400000000000000" pitchFamily="34" charset="-127"/>
+                <a:ea typeface="Noto Sans CJK KR DemiLight" panose="020B0400000000000000" pitchFamily="34" charset="-127"/>
+              </a:rPr>
+              <a:t>일</a:t>
+            </a:r>
+            <a:r>
+              <a:rPr lang="en-US" altLang="ko-KR" sz="1100" dirty="0" smtClean="0">
+                <a:latin typeface="Noto Sans CJK KR DemiLight" panose="020B0400000000000000" pitchFamily="34" charset="-127"/>
+                <a:ea typeface="Noto Sans CJK KR DemiLight" panose="020B0400000000000000" pitchFamily="34" charset="-127"/>
+              </a:rPr>
+              <a:t>, 15</a:t>
+            </a:r>
+            <a:r>
+              <a:rPr lang="ko-KR" altLang="en-US" sz="1100" dirty="0" smtClean="0">
+                <a:latin typeface="Noto Sans CJK KR DemiLight" panose="020B0400000000000000" pitchFamily="34" charset="-127"/>
+                <a:ea typeface="Noto Sans CJK KR DemiLight" panose="020B0400000000000000" pitchFamily="34" charset="-127"/>
+              </a:rPr>
+              <a:t>일 또는 </a:t>
+            </a:r>
+            <a:r>
+              <a:rPr lang="en-US" altLang="ko-KR" sz="1100" dirty="0" smtClean="0">
+                <a:latin typeface="Noto Sans CJK KR DemiLight" panose="020B0400000000000000" pitchFamily="34" charset="-127"/>
+                <a:ea typeface="Noto Sans CJK KR DemiLight" panose="020B0400000000000000" pitchFamily="34" charset="-127"/>
+              </a:rPr>
+              <a:t>10</a:t>
+            </a:r>
+            <a:r>
+              <a:rPr lang="ko-KR" altLang="en-US" sz="1100" dirty="0" smtClean="0">
+                <a:latin typeface="Noto Sans CJK KR DemiLight" panose="020B0400000000000000" pitchFamily="34" charset="-127"/>
+                <a:ea typeface="Noto Sans CJK KR DemiLight" panose="020B0400000000000000" pitchFamily="34" charset="-127"/>
+              </a:rPr>
+              <a:t>일 </a:t>
+            </a:r>
+            <a:r>
+              <a:rPr lang="en-US" altLang="ko-KR" sz="1100" dirty="0" smtClean="0">
+                <a:latin typeface="Noto Sans CJK KR DemiLight" panose="020B0400000000000000" pitchFamily="34" charset="-127"/>
+                <a:ea typeface="Noto Sans CJK KR DemiLight" panose="020B0400000000000000" pitchFamily="34" charset="-127"/>
+              </a:rPr>
+              <a:t>20</a:t>
+            </a:r>
+            <a:r>
+              <a:rPr lang="ko-KR" altLang="en-US" sz="1100" dirty="0" smtClean="0">
+                <a:latin typeface="Noto Sans CJK KR DemiLight" panose="020B0400000000000000" pitchFamily="34" charset="-127"/>
+                <a:ea typeface="Noto Sans CJK KR DemiLight" panose="020B0400000000000000" pitchFamily="34" charset="-127"/>
+              </a:rPr>
+              <a:t>일 </a:t>
+            </a:r>
+            <a:r>
+              <a:rPr lang="en-US" altLang="ko-KR" sz="1100" dirty="0" smtClean="0">
+                <a:latin typeface="Noto Sans CJK KR DemiLight" panose="020B0400000000000000" pitchFamily="34" charset="-127"/>
+                <a:ea typeface="Noto Sans CJK KR DemiLight" panose="020B0400000000000000" pitchFamily="34" charset="-127"/>
+              </a:rPr>
+              <a:t>30</a:t>
+            </a:r>
+            <a:r>
+              <a:rPr lang="ko-KR" altLang="en-US" sz="1100" dirty="0" smtClean="0">
+                <a:latin typeface="Noto Sans CJK KR DemiLight" panose="020B0400000000000000" pitchFamily="34" charset="-127"/>
+                <a:ea typeface="Noto Sans CJK KR DemiLight" panose="020B0400000000000000" pitchFamily="34" charset="-127"/>
+              </a:rPr>
+              <a:t>일 등등</a:t>
+            </a:r>
+            <a:r>
+              <a:rPr lang="en-US" altLang="ko-KR" sz="1100" dirty="0" smtClean="0">
+                <a:latin typeface="Noto Sans CJK KR DemiLight" panose="020B0400000000000000" pitchFamily="34" charset="-127"/>
+                <a:ea typeface="Noto Sans CJK KR DemiLight" panose="020B0400000000000000" pitchFamily="34" charset="-127"/>
+              </a:rPr>
+              <a:t>)</a:t>
+            </a:r>
+          </a:p>
+          <a:p>
+            <a:r>
+              <a:rPr lang="en-US" altLang="ko-KR" sz="1100" dirty="0" smtClean="0">
+                <a:latin typeface="Noto Sans CJK KR DemiLight" panose="020B0400000000000000" pitchFamily="34" charset="-127"/>
+                <a:ea typeface="Noto Sans CJK KR DemiLight" panose="020B0400000000000000" pitchFamily="34" charset="-127"/>
+              </a:rPr>
+              <a:t>2) </a:t>
+            </a:r>
+            <a:r>
+              <a:rPr lang="ko-KR" altLang="en-US" sz="1100" dirty="0" smtClean="0">
+                <a:latin typeface="Noto Sans CJK KR DemiLight" panose="020B0400000000000000" pitchFamily="34" charset="-127"/>
+                <a:ea typeface="Noto Sans CJK KR DemiLight" panose="020B0400000000000000" pitchFamily="34" charset="-127"/>
+              </a:rPr>
+              <a:t>첫 컨텐츠 선정</a:t>
+            </a:r>
+            <a:endParaRPr lang="en-US" altLang="ko-KR" sz="1100" dirty="0">
+              <a:latin typeface="Noto Sans CJK KR DemiLight" panose="020B0400000000000000" pitchFamily="34" charset="-127"/>
+              <a:ea typeface="Noto Sans CJK KR DemiLight" panose="020B0400000000000000" pitchFamily="34" charset="-127"/>
+            </a:endParaRPr>
+          </a:p>
+          <a:p>
+            <a:r>
+              <a:rPr lang="en-US" altLang="ko-KR" sz="1100" dirty="0" smtClean="0">
+                <a:latin typeface="Noto Sans CJK KR DemiLight" panose="020B0400000000000000" pitchFamily="34" charset="-127"/>
+                <a:ea typeface="Noto Sans CJK KR DemiLight" panose="020B0400000000000000" pitchFamily="34" charset="-127"/>
+              </a:rPr>
+              <a:t>3) </a:t>
+            </a:r>
+            <a:r>
+              <a:rPr lang="ko-KR" altLang="en-US" sz="1100" dirty="0" err="1" smtClean="0">
+                <a:latin typeface="Noto Sans CJK KR DemiLight" panose="020B0400000000000000" pitchFamily="34" charset="-127"/>
+                <a:ea typeface="Noto Sans CJK KR DemiLight" panose="020B0400000000000000" pitchFamily="34" charset="-127"/>
+              </a:rPr>
+              <a:t>웹접근성</a:t>
+            </a:r>
+            <a:r>
+              <a:rPr lang="ko-KR" altLang="en-US" sz="1100" dirty="0" smtClean="0">
+                <a:latin typeface="Noto Sans CJK KR DemiLight" panose="020B0400000000000000" pitchFamily="34" charset="-127"/>
+                <a:ea typeface="Noto Sans CJK KR DemiLight" panose="020B0400000000000000" pitchFamily="34" charset="-127"/>
+              </a:rPr>
+              <a:t> 스터디 방식은 어떻게 </a:t>
+            </a:r>
+            <a:r>
+              <a:rPr lang="ko-KR" altLang="en-US" sz="1100" dirty="0" err="1" smtClean="0">
+                <a:latin typeface="Noto Sans CJK KR DemiLight" panose="020B0400000000000000" pitchFamily="34" charset="-127"/>
+                <a:ea typeface="Noto Sans CJK KR DemiLight" panose="020B0400000000000000" pitchFamily="34" charset="-127"/>
+              </a:rPr>
+              <a:t>할것인지</a:t>
+            </a:r>
+            <a:endParaRPr lang="en-US" altLang="ko-KR" sz="1100" dirty="0" smtClean="0">
               <a:latin typeface="Noto Sans CJK KR DemiLight" panose="020B0400000000000000" pitchFamily="34" charset="-127"/>
               <a:ea typeface="Noto Sans CJK KR DemiLight" panose="020B0400000000000000" pitchFamily="34" charset="-127"/>
             </a:endParaRPr>
